--- a/feiyi-pdsw-ceph.pptx
+++ b/feiyi-pdsw-ceph.pptx
@@ -283,7 +283,7 @@
               <a:pPr>
                 <a:defRPr/>
               </a:pPr>
-              <a:t>11/8/13</a:t>
+              <a:t>11/12/13</a:t>
             </a:fld>
             <a:endParaRPr lang="en-US" dirty="0">
               <a:latin typeface="Times New Roman"/>
@@ -538,7 +538,7 @@
               <a:pPr>
                 <a:defRPr/>
               </a:pPr>
-              <a:t>11/8/13</a:t>
+              <a:t>11/12/13</a:t>
             </a:fld>
             <a:endParaRPr lang="en-US" dirty="0"/>
           </a:p>
@@ -965,7 +965,7 @@
               <a:pPr>
                 <a:defRPr/>
               </a:pPr>
-              <a:t>11/8/13</a:t>
+              <a:t>11/12/13</a:t>
             </a:fld>
             <a:endParaRPr lang="en-US" dirty="0"/>
           </a:p>
@@ -1081,7 +1081,7 @@
               <a:pPr>
                 <a:defRPr/>
               </a:pPr>
-              <a:t>11/8/13</a:t>
+              <a:t>11/12/13</a:t>
             </a:fld>
             <a:endParaRPr lang="en-US" dirty="0"/>
           </a:p>
@@ -1195,7 +1195,7 @@
               <a:pPr>
                 <a:defRPr/>
               </a:pPr>
-              <a:t>11/8/13</a:t>
+              <a:t>11/12/13</a:t>
             </a:fld>
             <a:endParaRPr lang="en-US" dirty="0"/>
           </a:p>
@@ -1346,7 +1346,7 @@
               <a:pPr>
                 <a:defRPr/>
               </a:pPr>
-              <a:t>11/8/13</a:t>
+              <a:t>11/12/13</a:t>
             </a:fld>
             <a:endParaRPr lang="en-US" dirty="0"/>
           </a:p>
@@ -1507,7 +1507,7 @@
               <a:pPr>
                 <a:defRPr/>
               </a:pPr>
-              <a:t>11/8/13</a:t>
+              <a:t>11/12/13</a:t>
             </a:fld>
             <a:endParaRPr lang="en-US" dirty="0"/>
           </a:p>
@@ -1626,7 +1626,7 @@
               <a:pPr>
                 <a:defRPr/>
               </a:pPr>
-              <a:t>11/8/13</a:t>
+              <a:t>11/12/13</a:t>
             </a:fld>
             <a:endParaRPr lang="en-US" dirty="0"/>
           </a:p>
@@ -1745,7 +1745,7 @@
               <a:pPr>
                 <a:defRPr/>
               </a:pPr>
-              <a:t>11/8/13</a:t>
+              <a:t>11/12/13</a:t>
             </a:fld>
             <a:endParaRPr lang="en-US" dirty="0"/>
           </a:p>
@@ -4906,13 +4906,7 @@
               <a:rPr lang="en-US" dirty="0" smtClean="0">
                 <a:latin typeface="Times New Roman"/>
               </a:rPr>
-              <a:t>Presented by Feiyi </a:t>
-            </a:r>
-            <a:r>
-              <a:rPr lang="en-US" dirty="0" smtClean="0">
-                <a:latin typeface="Times New Roman"/>
-              </a:rPr>
-              <a:t>Wang</a:t>
+              <a:t>Presented by Feiyi Wang</a:t>
             </a:r>
           </a:p>
           <a:p>
@@ -4931,13 +4925,7 @@
               <a:rPr lang="en-US" dirty="0" err="1" smtClean="0">
                 <a:latin typeface="Times New Roman"/>
               </a:rPr>
-              <a:t>Inktan</a:t>
-            </a:r>
-            <a:r>
-              <a:rPr lang="en-US" dirty="0" err="1" smtClean="0">
-                <a:latin typeface="Times New Roman"/>
-              </a:rPr>
-              <a:t>k</a:t>
+              <a:t>Inktank</a:t>
             </a:r>
             <a:r>
               <a:rPr lang="en-US" dirty="0" smtClean="0">
@@ -4993,9 +4981,6 @@
               </a:rPr>
               <a:t>, Blake Caldwell, Jason Hill</a:t>
             </a:r>
-            <a:endParaRPr lang="en-US" dirty="0" smtClean="0">
-              <a:latin typeface="Times New Roman"/>
-            </a:endParaRPr>
           </a:p>
         </p:txBody>
       </p:sp>
@@ -5154,17 +5139,8 @@
               <a:rPr lang="en-US" sz="1400" dirty="0" smtClean="0">
                 <a:latin typeface="Times New Roman"/>
               </a:rPr>
-              <a:t>ile system level performance, at all.</a:t>
-            </a:r>
-            <a:r>
-              <a:rPr lang="en-US" sz="1400" dirty="0" smtClean="0">
-                <a:latin typeface="Times New Roman"/>
-              </a:rPr>
-              <a:t> </a:t>
-            </a:r>
-            <a:endParaRPr lang="en-US" sz="1400" dirty="0" smtClean="0">
-              <a:latin typeface="Times New Roman"/>
-            </a:endParaRPr>
+              <a:t>ile system level performance, at all. </a:t>
+            </a:r>
           </a:p>
         </p:txBody>
       </p:sp>
@@ -5241,6 +5217,38 @@
           <a:bodyPr/>
           <a:lstStyle/>
           <a:p>
+            <a:r>
+              <a:rPr lang="en-US" sz="1600" dirty="0" err="1"/>
+              <a:t>o</a:t>
+            </a:r>
+            <a:r>
+              <a:rPr lang="en-US" sz="1600" dirty="0" err="1" smtClean="0"/>
+              <a:t>sd_op_threads</a:t>
+            </a:r>
+            <a:r>
+              <a:rPr lang="en-US" sz="1600" dirty="0" smtClean="0"/>
+              <a:t>, 7.3% and 9% improvement</a:t>
+            </a:r>
+          </a:p>
+          <a:p>
+            <a:r>
+              <a:rPr lang="en-US" sz="1600" dirty="0" err="1" smtClean="0"/>
+              <a:t>j</a:t>
+            </a:r>
+            <a:r>
+              <a:rPr lang="en-US" sz="1600" dirty="0" err="1" smtClean="0"/>
+              <a:t>ournal_aio</a:t>
+            </a:r>
+            <a:r>
+              <a:rPr lang="en-US" sz="1600" dirty="0" smtClean="0"/>
+              <a:t>, 11.5% and 16.3% improvement</a:t>
+            </a:r>
+          </a:p>
+          <a:p>
+            <a:r>
+              <a:rPr lang="en-US" sz="1600" dirty="0" smtClean="0"/>
+              <a:t>Other probed parameters: no tangible and repeatable impacts</a:t>
+            </a:r>
             <a:endParaRPr lang="en-US" sz="1600" dirty="0"/>
           </a:p>
         </p:txBody>
@@ -5413,13 +5421,7 @@
               <a:rPr lang="en-US" sz="1400" dirty="0" err="1" smtClean="0">
                 <a:latin typeface="Times New Roman"/>
               </a:rPr>
-              <a:t>Inktan</a:t>
-            </a:r>
-            <a:r>
-              <a:rPr lang="en-US" sz="1400" dirty="0" err="1" smtClean="0">
-                <a:latin typeface="Times New Roman"/>
-              </a:rPr>
-              <a:t>k</a:t>
+              <a:t>Inktank</a:t>
             </a:r>
             <a:r>
               <a:rPr lang="en-US" sz="1400" dirty="0" smtClean="0">
@@ -5435,9 +5437,6 @@
               </a:rPr>
               <a:t>based CRC32 for Intel CPU.</a:t>
             </a:r>
-            <a:endParaRPr lang="en-US" sz="1400" dirty="0" smtClean="0">
-              <a:latin typeface="Times New Roman"/>
-            </a:endParaRPr>
           </a:p>
         </p:txBody>
       </p:sp>
@@ -5512,9 +5511,6 @@
               </a:rPr>
               <a:t>(1) Increase read-ahead cache on client side</a:t>
             </a:r>
-            <a:endParaRPr lang="en-US" sz="1400" dirty="0" smtClean="0">
-              <a:latin typeface="Times New Roman"/>
-            </a:endParaRPr>
           </a:p>
           <a:p>
             <a:r>
@@ -6552,9 +6548,6 @@
               </a:rPr>
               <a:t>f low performance or outright stalls across different backend file systems</a:t>
             </a:r>
-            <a:endParaRPr lang="en-US" sz="1400" dirty="0" smtClean="0">
-              <a:latin typeface="Times New Roman"/>
-            </a:endParaRPr>
           </a:p>
         </p:txBody>
       </p:sp>
@@ -6586,9 +6579,6 @@
               </a:rPr>
               <a:t>(1) TCP auto-tune enabled</a:t>
             </a:r>
-            <a:endParaRPr lang="en-US" sz="1400" dirty="0" smtClean="0">
-              <a:latin typeface="Times New Roman"/>
-            </a:endParaRPr>
           </a:p>
         </p:txBody>
       </p:sp>
@@ -6620,9 +6610,6 @@
               </a:rPr>
               <a:t>(2) TCP auto-tune disabled</a:t>
             </a:r>
-            <a:endParaRPr lang="en-US" sz="1400" dirty="0" smtClean="0">
-              <a:latin typeface="Times New Roman"/>
-            </a:endParaRPr>
           </a:p>
         </p:txBody>
       </p:sp>
@@ -6851,9 +6838,6 @@
               </a:rPr>
               <a:t>(a) Scaling OSD per server</a:t>
             </a:r>
-            <a:endParaRPr lang="en-US" sz="1400" dirty="0" smtClean="0">
-              <a:latin typeface="Times New Roman"/>
-            </a:endParaRPr>
           </a:p>
         </p:txBody>
       </p:sp>
@@ -6885,9 +6869,6 @@
               </a:rPr>
               <a:t>(b) Scaling OSD servers</a:t>
             </a:r>
-            <a:endParaRPr lang="en-US" sz="1400" dirty="0" smtClean="0">
-              <a:latin typeface="Times New Roman"/>
-            </a:endParaRPr>
           </a:p>
         </p:txBody>
       </p:sp>

--- a/feiyi-pdsw-ceph.pptx
+++ b/feiyi-pdsw-ceph.pptx
@@ -1287,39 +1287,7 @@
           <a:bodyPr/>
           <a:lstStyle/>
           <a:p>
-            <a:r>
-              <a:rPr lang="en-US" dirty="0" smtClean="0"/>
-              <a:t>IP</a:t>
-            </a:r>
-            <a:r>
-              <a:rPr lang="en-US" baseline="0" dirty="0" smtClean="0"/>
-              <a:t> over IB: </a:t>
-            </a:r>
-            <a:r>
-              <a:rPr lang="en-US" baseline="0" dirty="0" err="1" smtClean="0"/>
-              <a:t>Ceph</a:t>
-            </a:r>
-            <a:r>
-              <a:rPr lang="en-US" baseline="0" dirty="0" smtClean="0"/>
-              <a:t> uses BSD socket, we use </a:t>
-            </a:r>
-            <a:r>
-              <a:rPr lang="en-US" baseline="0" dirty="0" err="1" smtClean="0"/>
-              <a:t>IPoIB</a:t>
-            </a:r>
-            <a:r>
-              <a:rPr lang="en-US" baseline="0" dirty="0" smtClean="0"/>
-              <a:t> for networking. The </a:t>
-            </a:r>
-            <a:r>
-              <a:rPr lang="en-US" baseline="0" dirty="0" err="1" smtClean="0"/>
-              <a:t>IPoIB</a:t>
-            </a:r>
-            <a:r>
-              <a:rPr lang="en-US" baseline="0" dirty="0" smtClean="0"/>
-              <a:t> over IB QDR can transfer data at around 2.7 GB, it is in the neighborhood of 11 GB/s. Given the performance we observed at both RADOS and File system, we say, IP over IB is not a bottleneck in this case.</a:t>
-            </a:r>
-            <a:endParaRPr lang="en-US" dirty="0"/>
+            <a:endParaRPr lang="en-US"/>
           </a:p>
         </p:txBody>
       </p:sp>
@@ -1346,7 +1314,7 @@
               <a:pPr>
                 <a:defRPr/>
               </a:pPr>
-              <a:t>11/12/13</a:t>
+              <a:t>11/13/13</a:t>
             </a:fld>
             <a:endParaRPr lang="en-US" dirty="0"/>
           </a:p>
@@ -1375,7 +1343,7 @@
               <a:pPr>
                 <a:defRPr/>
               </a:pPr>
-              <a:t>7</a:t>
+              <a:t>6</a:t>
             </a:fld>
             <a:endParaRPr lang="en-US" dirty="0"/>
           </a:p>
@@ -1384,7 +1352,7 @@
     </p:spTree>
     <p:extLst>
       <p:ext uri="{BB962C8B-B14F-4D97-AF65-F5344CB8AC3E}">
-        <p14:creationId xmlns:p14="http://schemas.microsoft.com/office/powerpoint/2010/main" val="3480758092"/>
+        <p14:creationId xmlns:p14="http://schemas.microsoft.com/office/powerpoint/2010/main" val="2990449802"/>
       </p:ext>
     </p:extLst>
   </p:cSld>
@@ -1439,47 +1407,37 @@
           <a:lstStyle/>
           <a:p>
             <a:r>
-              <a:rPr lang="en-US" sz="1200" dirty="0" smtClean="0">
-                <a:latin typeface="Times New Roman"/>
-              </a:rPr>
-              <a:t>Solution (1) net/ipv4/</a:t>
-            </a:r>
-            <a:r>
-              <a:rPr lang="en-US" sz="1200" dirty="0" err="1" smtClean="0">
-                <a:latin typeface="Times New Roman"/>
-              </a:rPr>
-              <a:t>tcp_moderrate_rcvbuf</a:t>
-            </a:r>
-            <a:endParaRPr lang="en-US" sz="1200" dirty="0" smtClean="0">
-              <a:latin typeface="Times New Roman"/>
-            </a:endParaRPr>
-          </a:p>
-          <a:p>
-            <a:endParaRPr lang="en-US" sz="1200" dirty="0" smtClean="0">
-              <a:latin typeface="Times New Roman"/>
-            </a:endParaRPr>
-          </a:p>
-          <a:p>
-            <a:r>
-              <a:rPr lang="en-US" sz="1200" dirty="0" smtClean="0">
-                <a:latin typeface="Times New Roman"/>
-              </a:rPr>
-              <a:t>Solution (2) </a:t>
-            </a:r>
-            <a:r>
-              <a:rPr lang="en-US" sz="1200" dirty="0" err="1" smtClean="0">
-                <a:latin typeface="Times New Roman"/>
-              </a:rPr>
+              <a:rPr lang="en-US" dirty="0" smtClean="0"/>
+              <a:t>IP</a:t>
+            </a:r>
+            <a:r>
+              <a:rPr lang="en-US" baseline="0" dirty="0" smtClean="0"/>
+              <a:t> over IB: </a:t>
+            </a:r>
+            <a:r>
+              <a:rPr lang="en-US" baseline="0" dirty="0" err="1" smtClean="0"/>
               <a:t>Ceph</a:t>
             </a:r>
             <a:r>
-              <a:rPr lang="en-US" sz="1200" dirty="0" smtClean="0">
-                <a:latin typeface="Times New Roman"/>
-              </a:rPr>
-              <a:t> manually controller the buffer size.</a:t>
-            </a:r>
-          </a:p>
-          <a:p>
+              <a:rPr lang="en-US" baseline="0" dirty="0" smtClean="0"/>
+              <a:t> uses BSD socket, we use </a:t>
+            </a:r>
+            <a:r>
+              <a:rPr lang="en-US" baseline="0" dirty="0" err="1" smtClean="0"/>
+              <a:t>IPoIB</a:t>
+            </a:r>
+            <a:r>
+              <a:rPr lang="en-US" baseline="0" dirty="0" smtClean="0"/>
+              <a:t> for networking. The </a:t>
+            </a:r>
+            <a:r>
+              <a:rPr lang="en-US" baseline="0" dirty="0" err="1" smtClean="0"/>
+              <a:t>IPoIB</a:t>
+            </a:r>
+            <a:r>
+              <a:rPr lang="en-US" baseline="0" dirty="0" smtClean="0"/>
+              <a:t> over IB QDR can transfer data at around 2.7 GB, it is in the neighborhood of 11 GB/s. Given the performance we observed at both RADOS and File system, we say, IP over IB is not a bottleneck in this case.</a:t>
+            </a:r>
             <a:endParaRPr lang="en-US" dirty="0"/>
           </a:p>
         </p:txBody>
@@ -1536,7 +1494,7 @@
               <a:pPr>
                 <a:defRPr/>
               </a:pPr>
-              <a:t>8</a:t>
+              <a:t>7</a:t>
             </a:fld>
             <a:endParaRPr lang="en-US" dirty="0"/>
           </a:p>
@@ -1545,7 +1503,7 @@
     </p:spTree>
     <p:extLst>
       <p:ext uri="{BB962C8B-B14F-4D97-AF65-F5344CB8AC3E}">
-        <p14:creationId xmlns:p14="http://schemas.microsoft.com/office/powerpoint/2010/main" val="3446947410"/>
+        <p14:creationId xmlns:p14="http://schemas.microsoft.com/office/powerpoint/2010/main" val="3480758092"/>
       </p:ext>
     </p:extLst>
   </p:cSld>
@@ -1599,6 +1557,167 @@
           <a:bodyPr/>
           <a:lstStyle/>
           <a:p>
+            <a:r>
+              <a:rPr lang="en-US" sz="1200" dirty="0" smtClean="0">
+                <a:latin typeface="Times New Roman"/>
+              </a:rPr>
+              <a:t>Solution (1) net/ipv4/</a:t>
+            </a:r>
+            <a:r>
+              <a:rPr lang="en-US" sz="1200" dirty="0" err="1" smtClean="0">
+                <a:latin typeface="Times New Roman"/>
+              </a:rPr>
+              <a:t>tcp_moderrate_rcvbuf</a:t>
+            </a:r>
+            <a:endParaRPr lang="en-US" sz="1200" dirty="0" smtClean="0">
+              <a:latin typeface="Times New Roman"/>
+            </a:endParaRPr>
+          </a:p>
+          <a:p>
+            <a:endParaRPr lang="en-US" sz="1200" dirty="0" smtClean="0">
+              <a:latin typeface="Times New Roman"/>
+            </a:endParaRPr>
+          </a:p>
+          <a:p>
+            <a:r>
+              <a:rPr lang="en-US" sz="1200" dirty="0" smtClean="0">
+                <a:latin typeface="Times New Roman"/>
+              </a:rPr>
+              <a:t>Solution (2) </a:t>
+            </a:r>
+            <a:r>
+              <a:rPr lang="en-US" sz="1200" dirty="0" err="1" smtClean="0">
+                <a:latin typeface="Times New Roman"/>
+              </a:rPr>
+              <a:t>Ceph</a:t>
+            </a:r>
+            <a:r>
+              <a:rPr lang="en-US" sz="1200" dirty="0" smtClean="0">
+                <a:latin typeface="Times New Roman"/>
+              </a:rPr>
+              <a:t> manually controller the buffer size.</a:t>
+            </a:r>
+          </a:p>
+          <a:p>
+            <a:endParaRPr lang="en-US" dirty="0"/>
+          </a:p>
+        </p:txBody>
+      </p:sp>
+      <p:sp>
+        <p:nvSpPr>
+          <p:cNvPr id="4" name="Date Placeholder 3"/>
+          <p:cNvSpPr>
+            <a:spLocks noGrp="1"/>
+          </p:cNvSpPr>
+          <p:nvPr>
+            <p:ph type="dt" idx="10"/>
+          </p:nvPr>
+        </p:nvSpPr>
+        <p:spPr/>
+        <p:txBody>
+          <a:bodyPr/>
+          <a:lstStyle/>
+          <a:p>
+            <a:pPr>
+              <a:defRPr/>
+            </a:pPr>
+            <a:fld id="{AA0A4708-7874-7746-A2B3-3CAFF749BFA1}" type="datetime1">
+              <a:rPr lang="en-US" smtClean="0"/>
+              <a:pPr>
+                <a:defRPr/>
+              </a:pPr>
+              <a:t>11/12/13</a:t>
+            </a:fld>
+            <a:endParaRPr lang="en-US" dirty="0"/>
+          </a:p>
+        </p:txBody>
+      </p:sp>
+      <p:sp>
+        <p:nvSpPr>
+          <p:cNvPr id="5" name="Slide Number Placeholder 4"/>
+          <p:cNvSpPr>
+            <a:spLocks noGrp="1"/>
+          </p:cNvSpPr>
+          <p:nvPr>
+            <p:ph type="sldNum" sz="quarter" idx="11"/>
+          </p:nvPr>
+        </p:nvSpPr>
+        <p:spPr/>
+        <p:txBody>
+          <a:bodyPr/>
+          <a:lstStyle/>
+          <a:p>
+            <a:pPr>
+              <a:defRPr/>
+            </a:pPr>
+            <a:fld id="{BBB43706-D5EF-164F-A3F6-4FCDBD92296D}" type="slidenum">
+              <a:rPr lang="en-US" smtClean="0"/>
+              <a:pPr>
+                <a:defRPr/>
+              </a:pPr>
+              <a:t>8</a:t>
+            </a:fld>
+            <a:endParaRPr lang="en-US" dirty="0"/>
+          </a:p>
+        </p:txBody>
+      </p:sp>
+    </p:spTree>
+    <p:extLst>
+      <p:ext uri="{BB962C8B-B14F-4D97-AF65-F5344CB8AC3E}">
+        <p14:creationId xmlns:p14="http://schemas.microsoft.com/office/powerpoint/2010/main" val="3446947410"/>
+      </p:ext>
+    </p:extLst>
+  </p:cSld>
+  <p:clrMapOvr>
+    <a:masterClrMapping/>
+  </p:clrMapOvr>
+</p:notes>
+</file>
+
+<file path=ppt/notesSlides/notesSlide7.xml><?xml version="1.0" encoding="utf-8"?>
+<p:notes xmlns:a="http://schemas.openxmlformats.org/drawingml/2006/main" xmlns:r="http://schemas.openxmlformats.org/officeDocument/2006/relationships" xmlns:p="http://schemas.openxmlformats.org/presentationml/2006/main">
+  <p:cSld>
+    <p:spTree>
+      <p:nvGrpSpPr>
+        <p:cNvPr id="1" name=""/>
+        <p:cNvGrpSpPr/>
+        <p:nvPr/>
+      </p:nvGrpSpPr>
+      <p:grpSpPr>
+        <a:xfrm>
+          <a:off x="0" y="0"/>
+          <a:ext cx="0" cy="0"/>
+          <a:chOff x="0" y="0"/>
+          <a:chExt cx="0" cy="0"/>
+        </a:xfrm>
+      </p:grpSpPr>
+      <p:sp>
+        <p:nvSpPr>
+          <p:cNvPr id="2" name="Slide Image Placeholder 1"/>
+          <p:cNvSpPr>
+            <a:spLocks noGrp="1" noRot="1" noChangeAspect="1"/>
+          </p:cNvSpPr>
+          <p:nvPr>
+            <p:ph type="sldImg"/>
+          </p:nvPr>
+        </p:nvSpPr>
+        <p:spPr/>
+      </p:sp>
+      <p:sp>
+        <p:nvSpPr>
+          <p:cNvPr id="3" name="Notes Placeholder 2"/>
+          <p:cNvSpPr>
+            <a:spLocks noGrp="1"/>
+          </p:cNvSpPr>
+          <p:nvPr>
+            <p:ph type="body" idx="1"/>
+          </p:nvPr>
+        </p:nvSpPr>
+        <p:spPr/>
+        <p:txBody>
+          <a:bodyPr/>
+          <a:lstStyle/>
+          <a:p>
             <a:endParaRPr lang="en-US" dirty="0"/>
           </a:p>
         </p:txBody>
@@ -1674,7 +1793,7 @@
 </p:notes>
 </file>
 
-<file path=ppt/notesSlides/notesSlide7.xml><?xml version="1.0" encoding="utf-8"?>
+<file path=ppt/notesSlides/notesSlide8.xml><?xml version="1.0" encoding="utf-8"?>
 <p:notes xmlns:a="http://schemas.openxmlformats.org/drawingml/2006/main" xmlns:r="http://schemas.openxmlformats.org/officeDocument/2006/relationships" xmlns:p="http://schemas.openxmlformats.org/presentationml/2006/main">
   <p:cSld>
     <p:spTree>
@@ -5154,6 +5273,13 @@
   <p:clrMapOvr>
     <a:masterClrMapping/>
   </p:clrMapOvr>
+  <p:timing>
+    <p:tnLst>
+      <p:par>
+        <p:cTn xmlns:p14="http://schemas.microsoft.com/office/powerpoint/2010/main" id="1" dur="indefinite" restart="never" nodeType="tmRoot"/>
+      </p:par>
+    </p:tnLst>
+  </p:timing>
 </p:sld>
 </file>
 
@@ -5293,6 +5419,13 @@
   <p:clrMapOvr>
     <a:masterClrMapping/>
   </p:clrMapOvr>
+  <p:timing>
+    <p:tnLst>
+      <p:par>
+        <p:cTn xmlns:p14="http://schemas.microsoft.com/office/powerpoint/2010/main" id="1" dur="indefinite" restart="never" nodeType="tmRoot"/>
+      </p:par>
+    </p:tnLst>
+  </p:timing>
 </p:sld>
 </file>
 
@@ -5925,6 +6058,13 @@
   <p:clrMapOvr>
     <a:masterClrMapping/>
   </p:clrMapOvr>
+  <p:timing>
+    <p:tnLst>
+      <p:par>
+        <p:cTn xmlns:p14="http://schemas.microsoft.com/office/powerpoint/2010/main" id="1" dur="indefinite" restart="never" nodeType="tmRoot"/>
+      </p:par>
+    </p:tnLst>
+  </p:timing>
 </p:sld>
 </file>
 
@@ -6006,6 +6146,13 @@
   <p:clrMapOvr>
     <a:masterClrMapping/>
   </p:clrMapOvr>
+  <p:timing>
+    <p:tnLst>
+      <p:par>
+        <p:cTn xmlns:p14="http://schemas.microsoft.com/office/powerpoint/2010/main" id="1" dur="indefinite" restart="never" nodeType="tmRoot"/>
+      </p:par>
+    </p:tnLst>
+  </p:timing>
 </p:sld>
 </file>
 
@@ -6166,6 +6313,13 @@
   <p:clrMapOvr>
     <a:masterClrMapping/>
   </p:clrMapOvr>
+  <p:timing>
+    <p:tnLst>
+      <p:par>
+        <p:cTn xmlns:p14="http://schemas.microsoft.com/office/powerpoint/2010/main" id="1" dur="indefinite" restart="never" nodeType="tmRoot"/>
+      </p:par>
+    </p:tnLst>
+  </p:timing>
 </p:sld>
 </file>
 
@@ -6219,7 +6373,12 @@
             <p:ph idx="1"/>
           </p:nvPr>
         </p:nvSpPr>
-        <p:spPr/>
+        <p:spPr>
+          <a:xfrm>
+            <a:off x="120649" y="1030027"/>
+            <a:ext cx="8554173" cy="4867418"/>
+          </a:xfrm>
+        </p:spPr>
         <p:txBody>
           <a:bodyPr/>
           <a:lstStyle/>
@@ -6232,8 +6391,13 @@
           <a:p>
             <a:r>
               <a:rPr lang="en-US" sz="2400" dirty="0" smtClean="0"/>
-              <a:t>Generally, we expect performance loss as we move up; The degree of the loss is an indication of how well the system is engineered.</a:t>
-            </a:r>
+              <a:t>Generally, we expect performance loss as we move up; The degree of the loss is an indication of how well the system is </a:t>
+            </a:r>
+            <a:r>
+              <a:rPr lang="en-US" sz="2400" dirty="0" smtClean="0"/>
+              <a:t>engineered and balanced.</a:t>
+            </a:r>
+            <a:endParaRPr lang="en-US" sz="2400" dirty="0" smtClean="0"/>
           </a:p>
           <a:p>
             <a:r>
@@ -6282,6 +6446,13 @@
   <p:clrMapOvr>
     <a:masterClrMapping/>
   </p:clrMapOvr>
+  <p:timing>
+    <p:tnLst>
+      <p:par>
+        <p:cTn xmlns:p14="http://schemas.microsoft.com/office/powerpoint/2010/main" id="1" dur="indefinite" restart="never" nodeType="tmRoot"/>
+      </p:par>
+    </p:tnLst>
+  </p:timing>
 </p:sld>
 </file>
 
@@ -6390,6 +6561,13 @@
   <p:clrMapOvr>
     <a:masterClrMapping/>
   </p:clrMapOvr>
+  <p:timing>
+    <p:tnLst>
+      <p:par>
+        <p:cTn xmlns:p14="http://schemas.microsoft.com/office/powerpoint/2010/main" id="1" dur="indefinite" restart="never" nodeType="tmRoot"/>
+      </p:par>
+    </p:tnLst>
+  </p:timing>
 </p:sld>
 </file>
 
@@ -6707,6 +6885,13 @@
   <p:clrMapOvr>
     <a:masterClrMapping/>
   </p:clrMapOvr>
+  <p:timing>
+    <p:tnLst>
+      <p:par>
+        <p:cTn xmlns:p14="http://schemas.microsoft.com/office/powerpoint/2010/main" id="1" dur="indefinite" restart="never" nodeType="tmRoot"/>
+      </p:par>
+    </p:tnLst>
+  </p:timing>
 </p:sld>
 </file>
 
@@ -6966,6 +7151,13 @@
   <p:clrMapOvr>
     <a:masterClrMapping/>
   </p:clrMapOvr>
+  <p:timing>
+    <p:tnLst>
+      <p:par>
+        <p:cTn xmlns:p14="http://schemas.microsoft.com/office/powerpoint/2010/main" id="1" dur="indefinite" restart="never" nodeType="tmRoot"/>
+      </p:par>
+    </p:tnLst>
+  </p:timing>
 </p:sld>
 </file>
 

--- a/feiyi-pdsw-ceph.pptx
+++ b/feiyi-pdsw-ceph.pptx
@@ -1287,7 +1287,7 @@
           <a:bodyPr/>
           <a:lstStyle/>
           <a:p>
-            <a:endParaRPr lang="en-US"/>
+            <a:endParaRPr lang="en-US" dirty="0"/>
           </a:p>
         </p:txBody>
       </p:sp>
@@ -1406,38 +1406,6 @@
           <a:bodyPr/>
           <a:lstStyle/>
           <a:p>
-            <a:r>
-              <a:rPr lang="en-US" dirty="0" smtClean="0"/>
-              <a:t>IP</a:t>
-            </a:r>
-            <a:r>
-              <a:rPr lang="en-US" baseline="0" dirty="0" smtClean="0"/>
-              <a:t> over IB: </a:t>
-            </a:r>
-            <a:r>
-              <a:rPr lang="en-US" baseline="0" dirty="0" err="1" smtClean="0"/>
-              <a:t>Ceph</a:t>
-            </a:r>
-            <a:r>
-              <a:rPr lang="en-US" baseline="0" dirty="0" smtClean="0"/>
-              <a:t> uses BSD socket, we use </a:t>
-            </a:r>
-            <a:r>
-              <a:rPr lang="en-US" baseline="0" dirty="0" err="1" smtClean="0"/>
-              <a:t>IPoIB</a:t>
-            </a:r>
-            <a:r>
-              <a:rPr lang="en-US" baseline="0" dirty="0" smtClean="0"/>
-              <a:t> for networking. The </a:t>
-            </a:r>
-            <a:r>
-              <a:rPr lang="en-US" baseline="0" dirty="0" err="1" smtClean="0"/>
-              <a:t>IPoIB</a:t>
-            </a:r>
-            <a:r>
-              <a:rPr lang="en-US" baseline="0" dirty="0" smtClean="0"/>
-              <a:t> over IB QDR can transfer data at around 2.7 GB, it is in the neighborhood of 11 GB/s. Given the performance we observed at both RADOS and File system, we say, IP over IB is not a bottleneck in this case.</a:t>
-            </a:r>
             <a:endParaRPr lang="en-US" dirty="0"/>
           </a:p>
         </p:txBody>
@@ -6402,7 +6370,15 @@
           <a:p>
             <a:r>
               <a:rPr lang="en-US" sz="2400" dirty="0" smtClean="0"/>
-              <a:t>Three key components:</a:t>
+              <a:t>Four</a:t>
+            </a:r>
+            <a:r>
+              <a:rPr lang="en-US" sz="2400" dirty="0" smtClean="0"/>
+              <a:t> </a:t>
+            </a:r>
+            <a:r>
+              <a:rPr lang="en-US" sz="2400" dirty="0" smtClean="0"/>
+              <a:t>key components:</a:t>
             </a:r>
           </a:p>
           <a:p>
